--- a/spring12/slidesS12/infinite-expectation.pptx
+++ b/spring12/slidesS12/infinite-expectation.pptx
@@ -5,10 +5,10 @@
     <p:sldMasterId id="2147483648" r:id="rId1"/>
   </p:sldMasterIdLst>
   <p:notesMasterIdLst>
-    <p:notesMasterId r:id="rId8"/>
+    <p:notesMasterId r:id="rId9"/>
   </p:notesMasterIdLst>
   <p:handoutMasterIdLst>
-    <p:handoutMasterId r:id="rId9"/>
+    <p:handoutMasterId r:id="rId10"/>
   </p:handoutMasterIdLst>
   <p:sldIdLst>
     <p:sldId id="256" r:id="rId2"/>
@@ -17,6 +17,7 @@
     <p:sldId id="260" r:id="rId5"/>
     <p:sldId id="263" r:id="rId6"/>
     <p:sldId id="264" r:id="rId7"/>
+    <p:sldId id="265" r:id="rId8"/>
   </p:sldIdLst>
   <p:sldSz cx="9144000" cy="6858000" type="screen4x3"/>
   <p:notesSz cx="9601200" cy="7315200"/>
@@ -2831,7 +2832,7 @@
             </a:br>
             <a:r>
               <a:rPr lang="en-US" sz="8000" dirty="0" smtClean="0"/>
-              <a:t>Expectations</a:t>
+              <a:t>Expectation</a:t>
             </a:r>
             <a:endParaRPr lang="en-US" sz="8000" dirty="0"/>
           </a:p>
@@ -3226,13 +3227,13 @@
   <p:clrMapOvr>
     <a:masterClrMapping/>
   </p:clrMapOvr>
-  <mc:AlternateContent xmlns:mc="http://schemas.openxmlformats.org/markup-compatibility/2006">
-    <mc:Choice xmlns:p14="http://schemas.microsoft.com/office/powerpoint/2010/main" Requires="p14">
+  <mc:AlternateContent xmlns:mc="http://schemas.openxmlformats.org/markup-compatibility/2006" xmlns:p14="http://schemas.microsoft.com/office/powerpoint/2010/main">
+    <mc:Choice Requires="p14">
       <p:transition spd="med" p14:dur="600">
         <p:fade/>
       </p:transition>
     </mc:Choice>
-    <mc:Fallback>
+    <mc:Fallback xmlns="">
       <p:transition xmlns:p14="http://schemas.microsoft.com/office/powerpoint/2010/main" spd="med">
         <p:fade/>
       </p:transition>
@@ -3314,14 +3315,30 @@
           <a:lstStyle/>
           <a:p>
             <a:r>
+              <a:rPr lang="en-US" sz="4000" dirty="0" smtClean="0">
+                <a:solidFill>
+                  <a:srgbClr val="0000FF"/>
+                </a:solidFill>
+              </a:rPr>
+              <a:t>Fair gambler’s ruin</a:t>
+            </a:r>
+            <a:r>
               <a:rPr lang="en-US" sz="4000" dirty="0" smtClean="0"/>
-              <a:t>Fair gambler’s ruin: ruin is certain, but expected to take forever.</a:t>
-            </a:r>
-          </a:p>
-          <a:p>
+              <a:t>: ruin is certain, but expected to take forever.</a:t>
+            </a:r>
+          </a:p>
+          <a:p>
+            <a:r>
+              <a:rPr lang="en-US" sz="4000" dirty="0" smtClean="0">
+                <a:solidFill>
+                  <a:srgbClr val="0000FF"/>
+                </a:solidFill>
+              </a:rPr>
+              <a:t>Bet doubling</a:t>
+            </a:r>
             <a:r>
               <a:rPr lang="en-US" sz="4000" dirty="0" smtClean="0"/>
-              <a:t>Bet doubling: win is certain, but expected initial stake is infinite.</a:t>
+              <a:t>: win is certain, but expected initial stake is infinite.</a:t>
             </a:r>
             <a:endParaRPr lang="en-US" sz="4000" dirty="0"/>
           </a:p>
@@ -3571,6 +3588,9 @@
                     <p:cTn id="3" fill="hold">
                       <p:stCondLst>
                         <p:cond delay="indefinite"/>
+                        <p:cond evt="onBegin" delay="0">
+                          <p:tn val="2"/>
+                        </p:cond>
                       </p:stCondLst>
                       <p:childTnLst>
                         <p:par>
@@ -3580,7 +3600,7 @@
                             </p:stCondLst>
                             <p:childTnLst>
                               <p:par>
-                                <p:cTn id="5" presetID="9" presetClass="entr" presetSubtype="0" fill="hold" grpId="0" nodeType="clickEffect">
+                                <p:cTn id="5" presetID="9" presetClass="entr" presetSubtype="0" fill="hold" grpId="0" nodeType="afterEffect">
                                   <p:stCondLst>
                                     <p:cond delay="0"/>
                                   </p:stCondLst>
@@ -4079,7 +4099,7 @@
           <a:graphicData uri="http://schemas.openxmlformats.org/presentationml/2006/ole">
             <mc:AlternateContent xmlns:mc="http://schemas.openxmlformats.org/markup-compatibility/2006">
               <mc:Choice xmlns:v="urn:schemas-microsoft-com:vml" Requires="v">
-                <p:oleObj spid="_x0000_s247812" name="Equation" r:id="rId3" imgW="876300" imgH="406400" progId="Equation.DSMT4">
+                <p:oleObj spid="_x0000_s247815" name="Equation" r:id="rId3" imgW="876300" imgH="406400" progId="Equation.DSMT4">
                   <p:embed/>
                 </p:oleObj>
               </mc:Choice>
@@ -4124,6 +4144,9 @@
   <p:clrMapOvr>
     <a:masterClrMapping/>
   </p:clrMapOvr>
+  <p:transition xmlns:p14="http://schemas.microsoft.com/office/powerpoint/2010/main" spd="slow">
+    <p:fade thruBlk="1"/>
+  </p:transition>
   <p:timing>
     <p:tnLst>
       <p:par>
@@ -4575,7 +4598,7 @@
           <a:graphicData uri="http://schemas.openxmlformats.org/presentationml/2006/ole">
             <mc:AlternateContent xmlns:mc="http://schemas.openxmlformats.org/markup-compatibility/2006">
               <mc:Choice xmlns:v="urn:schemas-microsoft-com:vml" Requires="v">
-                <p:oleObj spid="_x0000_s250884" name="Equation" r:id="rId3" imgW="965200" imgH="330200" progId="Equation.DSMT4">
+                <p:oleObj spid="_x0000_s250887" name="Equation" r:id="rId3" imgW="965200" imgH="330200" progId="Equation.DSMT4">
                   <p:embed/>
                 </p:oleObj>
               </mc:Choice>
@@ -4620,160 +4643,24 @@
   <p:clrMapOvr>
     <a:masterClrMapping/>
   </p:clrMapOvr>
+  <mc:AlternateContent xmlns:mc="http://schemas.openxmlformats.org/markup-compatibility/2006">
+    <mc:Choice xmlns:p14="http://schemas.microsoft.com/office/powerpoint/2010/main" Requires="p14">
+      <p:transition spd="med" p14:dur="700">
+        <p:fade/>
+      </p:transition>
+    </mc:Choice>
+    <mc:Fallback>
+      <p:transition xmlns:p14="http://schemas.microsoft.com/office/powerpoint/2010/main" spd="med">
+        <p:fade/>
+      </p:transition>
+    </mc:Fallback>
+  </mc:AlternateContent>
   <p:timing>
     <p:tnLst>
       <p:par>
-        <p:cTn xmlns:p14="http://schemas.microsoft.com/office/powerpoint/2010/main" id="1" dur="indefinite" restart="never" nodeType="tmRoot">
-          <p:childTnLst>
-            <p:seq concurrent="1" nextAc="seek">
-              <p:cTn id="2" dur="indefinite" nodeType="mainSeq">
-                <p:childTnLst>
-                  <p:par>
-                    <p:cTn id="3" fill="hold">
-                      <p:stCondLst>
-                        <p:cond delay="indefinite"/>
-                      </p:stCondLst>
-                      <p:childTnLst>
-                        <p:par>
-                          <p:cTn id="4" fill="hold">
-                            <p:stCondLst>
-                              <p:cond delay="0"/>
-                            </p:stCondLst>
-                            <p:childTnLst>
-                              <p:par>
-                                <p:cTn id="5" presetID="9" presetClass="entr" presetSubtype="0" fill="hold" grpId="0" nodeType="clickEffect">
-                                  <p:stCondLst>
-                                    <p:cond delay="0"/>
-                                  </p:stCondLst>
-                                  <p:childTnLst>
-                                    <p:set>
-                                      <p:cBhvr>
-                                        <p:cTn id="6" dur="1" fill="hold">
-                                          <p:stCondLst>
-                                            <p:cond delay="0"/>
-                                          </p:stCondLst>
-                                        </p:cTn>
-                                        <p:tgtEl>
-                                          <p:spTgt spid="3">
-                                            <p:txEl>
-                                              <p:pRg st="0" end="0"/>
-                                            </p:txEl>
-                                          </p:spTgt>
-                                        </p:tgtEl>
-                                        <p:attrNameLst>
-                                          <p:attrName>style.visibility</p:attrName>
-                                        </p:attrNameLst>
-                                      </p:cBhvr>
-                                      <p:to>
-                                        <p:strVal val="visible"/>
-                                      </p:to>
-                                    </p:set>
-                                    <p:animEffect transition="in" filter="dissolve">
-                                      <p:cBhvr>
-                                        <p:cTn id="7" dur="500"/>
-                                        <p:tgtEl>
-                                          <p:spTgt spid="3">
-                                            <p:txEl>
-                                              <p:pRg st="0" end="0"/>
-                                            </p:txEl>
-                                          </p:spTgt>
-                                        </p:tgtEl>
-                                      </p:cBhvr>
-                                    </p:animEffect>
-                                  </p:childTnLst>
-                                </p:cTn>
-                              </p:par>
-                            </p:childTnLst>
-                          </p:cTn>
-                        </p:par>
-                      </p:childTnLst>
-                    </p:cTn>
-                  </p:par>
-                  <p:par>
-                    <p:cTn id="8" fill="hold">
-                      <p:stCondLst>
-                        <p:cond delay="indefinite"/>
-                      </p:stCondLst>
-                      <p:childTnLst>
-                        <p:par>
-                          <p:cTn id="9" fill="hold">
-                            <p:stCondLst>
-                              <p:cond delay="0"/>
-                            </p:stCondLst>
-                            <p:childTnLst>
-                              <p:par>
-                                <p:cTn id="10" presetID="9" presetClass="entr" presetSubtype="0" fill="hold" grpId="0" nodeType="clickEffect">
-                                  <p:stCondLst>
-                                    <p:cond delay="0"/>
-                                  </p:stCondLst>
-                                  <p:childTnLst>
-                                    <p:set>
-                                      <p:cBhvr>
-                                        <p:cTn id="11" dur="1" fill="hold">
-                                          <p:stCondLst>
-                                            <p:cond delay="0"/>
-                                          </p:stCondLst>
-                                        </p:cTn>
-                                        <p:tgtEl>
-                                          <p:spTgt spid="3">
-                                            <p:txEl>
-                                              <p:pRg st="1" end="1"/>
-                                            </p:txEl>
-                                          </p:spTgt>
-                                        </p:tgtEl>
-                                        <p:attrNameLst>
-                                          <p:attrName>style.visibility</p:attrName>
-                                        </p:attrNameLst>
-                                      </p:cBhvr>
-                                      <p:to>
-                                        <p:strVal val="visible"/>
-                                      </p:to>
-                                    </p:set>
-                                    <p:animEffect transition="in" filter="dissolve">
-                                      <p:cBhvr>
-                                        <p:cTn id="12" dur="500"/>
-                                        <p:tgtEl>
-                                          <p:spTgt spid="3">
-                                            <p:txEl>
-                                              <p:pRg st="1" end="1"/>
-                                            </p:txEl>
-                                          </p:spTgt>
-                                        </p:tgtEl>
-                                      </p:cBhvr>
-                                    </p:animEffect>
-                                  </p:childTnLst>
-                                </p:cTn>
-                              </p:par>
-                            </p:childTnLst>
-                          </p:cTn>
-                        </p:par>
-                      </p:childTnLst>
-                    </p:cTn>
-                  </p:par>
-                </p:childTnLst>
-              </p:cTn>
-              <p:prevCondLst>
-                <p:cond evt="onPrev" delay="0">
-                  <p:tgtEl>
-                    <p:sldTgt/>
-                  </p:tgtEl>
-                </p:cond>
-              </p:prevCondLst>
-              <p:nextCondLst>
-                <p:cond evt="onNext" delay="0">
-                  <p:tgtEl>
-                    <p:sldTgt/>
-                  </p:tgtEl>
-                </p:cond>
-              </p:nextCondLst>
-            </p:seq>
-          </p:childTnLst>
-        </p:cTn>
+        <p:cTn xmlns:p14="http://schemas.microsoft.com/office/powerpoint/2010/main" id="1" dur="indefinite" restart="never" nodeType="tmRoot"/>
       </p:par>
     </p:tnLst>
-    <p:bldLst>
-      <p:bldP spid="3" grpId="0" build="p"/>
-    </p:bldLst>
   </p:timing>
 </p:sld>
 </file>
@@ -4927,7 +4814,11 @@
             </a:r>
             <a:r>
               <a:rPr lang="en-US" sz="4800" dirty="0"/>
-              <a:t>rate of divergence</a:t>
+              <a:t>rate of </a:t>
+            </a:r>
+            <a:r>
+              <a:rPr lang="en-US" sz="4800" dirty="0" smtClean="0"/>
+              <a:t>divergence.</a:t>
             </a:r>
             <a:endParaRPr lang="en-US" sz="4800" dirty="0" smtClean="0">
               <a:latin typeface="Comic Sans MS"/>
@@ -5011,221 +4902,195 @@
   <p:clrMapOvr>
     <a:masterClrMapping/>
   </p:clrMapOvr>
+  <mc:AlternateContent xmlns:mc="http://schemas.openxmlformats.org/markup-compatibility/2006">
+    <mc:Choice xmlns:p14="http://schemas.microsoft.com/office/powerpoint/2010/main" Requires="p14">
+      <p:transition spd="med" p14:dur="700">
+        <p:fade/>
+      </p:transition>
+    </mc:Choice>
+    <mc:Fallback>
+      <p:transition xmlns:p14="http://schemas.microsoft.com/office/powerpoint/2010/main" spd="med">
+        <p:fade/>
+      </p:transition>
+    </mc:Fallback>
+  </mc:AlternateContent>
   <p:timing>
     <p:tnLst>
       <p:par>
-        <p:cTn xmlns:p14="http://schemas.microsoft.com/office/powerpoint/2010/main" id="1" dur="indefinite" restart="never" nodeType="tmRoot">
-          <p:childTnLst>
-            <p:seq concurrent="1" nextAc="seek">
-              <p:cTn id="2" dur="indefinite" nodeType="mainSeq">
-                <p:childTnLst>
-                  <p:par>
-                    <p:cTn id="3" fill="hold">
-                      <p:stCondLst>
-                        <p:cond delay="indefinite"/>
-                      </p:stCondLst>
-                      <p:childTnLst>
-                        <p:par>
-                          <p:cTn id="4" fill="hold">
-                            <p:stCondLst>
-                              <p:cond delay="0"/>
-                            </p:stCondLst>
-                            <p:childTnLst>
-                              <p:par>
-                                <p:cTn id="5" presetID="9" presetClass="entr" presetSubtype="0" fill="hold" grpId="0" nodeType="clickEffect">
-                                  <p:stCondLst>
-                                    <p:cond delay="0"/>
-                                  </p:stCondLst>
-                                  <p:childTnLst>
-                                    <p:set>
-                                      <p:cBhvr>
-                                        <p:cTn id="6" dur="1" fill="hold">
-                                          <p:stCondLst>
-                                            <p:cond delay="0"/>
-                                          </p:stCondLst>
-                                        </p:cTn>
-                                        <p:tgtEl>
-                                          <p:spTgt spid="3">
-                                            <p:txEl>
-                                              <p:pRg st="0" end="0"/>
-                                            </p:txEl>
-                                          </p:spTgt>
-                                        </p:tgtEl>
-                                        <p:attrNameLst>
-                                          <p:attrName>style.visibility</p:attrName>
-                                        </p:attrNameLst>
-                                      </p:cBhvr>
-                                      <p:to>
-                                        <p:strVal val="visible"/>
-                                      </p:to>
-                                    </p:set>
-                                    <p:animEffect transition="in" filter="dissolve">
-                                      <p:cBhvr>
-                                        <p:cTn id="7" dur="500"/>
-                                        <p:tgtEl>
-                                          <p:spTgt spid="3">
-                                            <p:txEl>
-                                              <p:pRg st="0" end="0"/>
-                                            </p:txEl>
-                                          </p:spTgt>
-                                        </p:tgtEl>
-                                      </p:cBhvr>
-                                    </p:animEffect>
-                                  </p:childTnLst>
-                                </p:cTn>
-                              </p:par>
-                            </p:childTnLst>
-                          </p:cTn>
-                        </p:par>
-                      </p:childTnLst>
-                    </p:cTn>
-                  </p:par>
-                  <p:par>
-                    <p:cTn id="8" fill="hold">
-                      <p:stCondLst>
-                        <p:cond delay="indefinite"/>
-                      </p:stCondLst>
-                      <p:childTnLst>
-                        <p:par>
-                          <p:cTn id="9" fill="hold">
-                            <p:stCondLst>
-                              <p:cond delay="0"/>
-                            </p:stCondLst>
-                            <p:childTnLst>
-                              <p:par>
-                                <p:cTn id="10" presetID="9" presetClass="entr" presetSubtype="0" fill="hold" grpId="0" nodeType="clickEffect">
-                                  <p:stCondLst>
-                                    <p:cond delay="0"/>
-                                  </p:stCondLst>
-                                  <p:childTnLst>
-                                    <p:set>
-                                      <p:cBhvr>
-                                        <p:cTn id="11" dur="1" fill="hold">
-                                          <p:stCondLst>
-                                            <p:cond delay="0"/>
-                                          </p:stCondLst>
-                                        </p:cTn>
-                                        <p:tgtEl>
-                                          <p:spTgt spid="3">
-                                            <p:txEl>
-                                              <p:pRg st="1" end="1"/>
-                                            </p:txEl>
-                                          </p:spTgt>
-                                        </p:tgtEl>
-                                        <p:attrNameLst>
-                                          <p:attrName>style.visibility</p:attrName>
-                                        </p:attrNameLst>
-                                      </p:cBhvr>
-                                      <p:to>
-                                        <p:strVal val="visible"/>
-                                      </p:to>
-                                    </p:set>
-                                    <p:animEffect transition="in" filter="dissolve">
-                                      <p:cBhvr>
-                                        <p:cTn id="12" dur="500"/>
-                                        <p:tgtEl>
-                                          <p:spTgt spid="3">
-                                            <p:txEl>
-                                              <p:pRg st="1" end="1"/>
-                                            </p:txEl>
-                                          </p:spTgt>
-                                        </p:tgtEl>
-                                      </p:cBhvr>
-                                    </p:animEffect>
-                                  </p:childTnLst>
-                                </p:cTn>
-                              </p:par>
-                            </p:childTnLst>
-                          </p:cTn>
-                        </p:par>
-                      </p:childTnLst>
-                    </p:cTn>
-                  </p:par>
-                  <p:par>
-                    <p:cTn id="13" fill="hold">
-                      <p:stCondLst>
-                        <p:cond delay="indefinite"/>
-                      </p:stCondLst>
-                      <p:childTnLst>
-                        <p:par>
-                          <p:cTn id="14" fill="hold">
-                            <p:stCondLst>
-                              <p:cond delay="0"/>
-                            </p:stCondLst>
-                            <p:childTnLst>
-                              <p:par>
-                                <p:cTn id="15" presetID="9" presetClass="entr" presetSubtype="0" fill="hold" grpId="0" nodeType="clickEffect">
-                                  <p:stCondLst>
-                                    <p:cond delay="0"/>
-                                  </p:stCondLst>
-                                  <p:childTnLst>
-                                    <p:set>
-                                      <p:cBhvr>
-                                        <p:cTn id="16" dur="1" fill="hold">
-                                          <p:stCondLst>
-                                            <p:cond delay="0"/>
-                                          </p:stCondLst>
-                                        </p:cTn>
-                                        <p:tgtEl>
-                                          <p:spTgt spid="3">
-                                            <p:txEl>
-                                              <p:pRg st="2" end="2"/>
-                                            </p:txEl>
-                                          </p:spTgt>
-                                        </p:tgtEl>
-                                        <p:attrNameLst>
-                                          <p:attrName>style.visibility</p:attrName>
-                                        </p:attrNameLst>
-                                      </p:cBhvr>
-                                      <p:to>
-                                        <p:strVal val="visible"/>
-                                      </p:to>
-                                    </p:set>
-                                    <p:animEffect transition="in" filter="dissolve">
-                                      <p:cBhvr>
-                                        <p:cTn id="17" dur="500"/>
-                                        <p:tgtEl>
-                                          <p:spTgt spid="3">
-                                            <p:txEl>
-                                              <p:pRg st="2" end="2"/>
-                                            </p:txEl>
-                                          </p:spTgt>
-                                        </p:tgtEl>
-                                      </p:cBhvr>
-                                    </p:animEffect>
-                                  </p:childTnLst>
-                                </p:cTn>
-                              </p:par>
-                            </p:childTnLst>
-                          </p:cTn>
-                        </p:par>
-                      </p:childTnLst>
-                    </p:cTn>
-                  </p:par>
-                </p:childTnLst>
-              </p:cTn>
-              <p:prevCondLst>
-                <p:cond evt="onPrev" delay="0">
-                  <p:tgtEl>
-                    <p:sldTgt/>
-                  </p:tgtEl>
-                </p:cond>
-              </p:prevCondLst>
-              <p:nextCondLst>
-                <p:cond evt="onNext" delay="0">
-                  <p:tgtEl>
-                    <p:sldTgt/>
-                  </p:tgtEl>
-                </p:cond>
-              </p:nextCondLst>
-            </p:seq>
-          </p:childTnLst>
-        </p:cTn>
+        <p:cTn xmlns:p14="http://schemas.microsoft.com/office/powerpoint/2010/main" id="1" dur="indefinite" restart="never" nodeType="tmRoot"/>
       </p:par>
     </p:tnLst>
-    <p:bldLst>
-      <p:bldP spid="3" grpId="0" build="p"/>
-    </p:bldLst>
+  </p:timing>
+</p:sld>
+</file>
+
+<file path=ppt/slides/slide7.xml><?xml version="1.0" encoding="utf-8"?>
+<p:sld xmlns:a="http://schemas.openxmlformats.org/drawingml/2006/main" xmlns:r="http://schemas.openxmlformats.org/officeDocument/2006/relationships" xmlns:p="http://schemas.openxmlformats.org/presentationml/2006/main">
+  <p:cSld>
+    <p:spTree>
+      <p:nvGrpSpPr>
+        <p:cNvPr id="1" name=""/>
+        <p:cNvGrpSpPr/>
+        <p:nvPr/>
+      </p:nvGrpSpPr>
+      <p:grpSpPr>
+        <a:xfrm>
+          <a:off x="0" y="0"/>
+          <a:ext cx="0" cy="0"/>
+          <a:chOff x="0" y="0"/>
+          <a:chExt cx="0" cy="0"/>
+        </a:xfrm>
+      </p:grpSpPr>
+      <p:sp>
+        <p:nvSpPr>
+          <p:cNvPr id="2" name="Title 1"/>
+          <p:cNvSpPr>
+            <a:spLocks noGrp="1"/>
+          </p:cNvSpPr>
+          <p:nvPr>
+            <p:ph type="title"/>
+          </p:nvPr>
+        </p:nvSpPr>
+        <p:spPr/>
+        <p:txBody>
+          <a:bodyPr/>
+          <a:lstStyle/>
+          <a:p>
+            <a:r>
+              <a:rPr lang="en-US" dirty="0" smtClean="0"/>
+              <a:t>Moral of the Story</a:t>
+            </a:r>
+            <a:endParaRPr lang="en-US" dirty="0"/>
+          </a:p>
+        </p:txBody>
+      </p:sp>
+      <p:sp>
+        <p:nvSpPr>
+          <p:cNvPr id="3" name="Content Placeholder 2"/>
+          <p:cNvSpPr>
+            <a:spLocks noGrp="1"/>
+          </p:cNvSpPr>
+          <p:nvPr>
+            <p:ph idx="1"/>
+          </p:nvPr>
+        </p:nvSpPr>
+        <p:spPr>
+          <a:xfrm>
+            <a:off x="228600" y="1905000"/>
+            <a:ext cx="8686800" cy="3124200"/>
+          </a:xfrm>
+        </p:spPr>
+        <p:txBody>
+          <a:bodyPr/>
+          <a:lstStyle/>
+          <a:p>
+            <a:r>
+              <a:rPr lang="en-US" sz="5400" dirty="0" smtClean="0"/>
+              <a:t>Infinite expectation comes up naturally</a:t>
+            </a:r>
+          </a:p>
+          <a:p>
+            <a:r>
+              <a:rPr lang="en-US" sz="5400" dirty="0" smtClean="0"/>
+              <a:t>But usually is manageable</a:t>
+            </a:r>
+            <a:endParaRPr lang="en-US" sz="5400" dirty="0"/>
+          </a:p>
+        </p:txBody>
+      </p:sp>
+      <p:sp>
+        <p:nvSpPr>
+          <p:cNvPr id="4" name="Slide Number Placeholder 3"/>
+          <p:cNvSpPr>
+            <a:spLocks noGrp="1"/>
+          </p:cNvSpPr>
+          <p:nvPr>
+            <p:ph type="sldNum" sz="quarter" idx="12"/>
+          </p:nvPr>
+        </p:nvSpPr>
+        <p:spPr/>
+        <p:txBody>
+          <a:bodyPr/>
+          <a:lstStyle/>
+          <a:p>
+            <a:pPr>
+              <a:defRPr/>
+            </a:pPr>
+            <a:r>
+              <a:rPr lang="en-US" smtClean="0"/>
+              <a:t>Lec 14M.</a:t>
+            </a:r>
+            <a:fld id="{E877D3CB-F960-BD47-98A7-06971C504846}" type="slidenum">
+              <a:rPr lang="en-US" smtClean="0"/>
+              <a:pPr>
+                <a:defRPr/>
+              </a:pPr>
+              <a:t>7</a:t>
+            </a:fld>
+            <a:endParaRPr lang="en-US" smtClean="0"/>
+          </a:p>
+          <a:p>
+            <a:pPr>
+              <a:defRPr/>
+            </a:pPr>
+            <a:endParaRPr lang="en-US" dirty="0"/>
+          </a:p>
+        </p:txBody>
+      </p:sp>
+      <p:sp>
+        <p:nvSpPr>
+          <p:cNvPr id="5" name="Date Placeholder 4"/>
+          <p:cNvSpPr>
+            <a:spLocks noGrp="1"/>
+          </p:cNvSpPr>
+          <p:nvPr>
+            <p:ph type="dt" sz="half" idx="2"/>
+          </p:nvPr>
+        </p:nvSpPr>
+        <p:spPr/>
+        <p:txBody>
+          <a:bodyPr/>
+          <a:lstStyle/>
+          <a:p>
+            <a:pPr>
+              <a:defRPr/>
+            </a:pPr>
+            <a:r>
+              <a:rPr lang="en-US" smtClean="0"/>
+              <a:t>Albert R Meyer,                        May 14, 2012</a:t>
+            </a:r>
+            <a:endParaRPr lang="en-US" dirty="0"/>
+          </a:p>
+        </p:txBody>
+      </p:sp>
+    </p:spTree>
+    <p:extLst>
+      <p:ext uri="{BB962C8B-B14F-4D97-AF65-F5344CB8AC3E}">
+        <p14:creationId xmlns:p14="http://schemas.microsoft.com/office/powerpoint/2010/main" val="1659414089"/>
+      </p:ext>
+    </p:extLst>
+  </p:cSld>
+  <p:clrMapOvr>
+    <a:masterClrMapping/>
+  </p:clrMapOvr>
+  <mc:AlternateContent xmlns:mc="http://schemas.openxmlformats.org/markup-compatibility/2006">
+    <mc:Choice xmlns:p14="http://schemas.microsoft.com/office/powerpoint/2010/main" Requires="p14">
+      <p:transition spd="slow" p14:dur="1100">
+        <p:fade thruBlk="1"/>
+      </p:transition>
+    </mc:Choice>
+    <mc:Fallback>
+      <p:transition xmlns:p14="http://schemas.microsoft.com/office/powerpoint/2010/main" spd="slow">
+        <p:fade thruBlk="1"/>
+      </p:transition>
+    </mc:Fallback>
+  </mc:AlternateContent>
+  <p:timing>
+    <p:tnLst>
+      <p:par>
+        <p:cTn xmlns:p14="http://schemas.microsoft.com/office/powerpoint/2010/main" id="1" dur="indefinite" restart="never" nodeType="tmRoot"/>
+      </p:par>
+    </p:tnLst>
   </p:timing>
 </p:sld>
 </file>
